--- a/Creatures_Assets.pptx
+++ b/Creatures_Assets.pptx
@@ -6,6 +6,12 @@
   </p:sldMasterIdLst>
   <p:sldIdLst>
     <p:sldId id="256" r:id="rId2"/>
+    <p:sldId id="257" r:id="rId3"/>
+    <p:sldId id="258" r:id="rId4"/>
+    <p:sldId id="259" r:id="rId5"/>
+    <p:sldId id="260" r:id="rId6"/>
+    <p:sldId id="261" r:id="rId7"/>
+    <p:sldId id="262" r:id="rId8"/>
   </p:sldIdLst>
   <p:sldSz cx="12192000" cy="6858000"/>
   <p:notesSz cx="6858000" cy="9144000"/>
@@ -104,6 +110,11 @@
       </a:defRPr>
     </a:lvl9pPr>
   </p:defaultTextStyle>
+  <p:extLst>
+    <p:ext uri="{EFAFB233-063F-42B5-8137-9DF3F51BA10A}">
+      <p15:sldGuideLst xmlns:p15="http://schemas.microsoft.com/office/powerpoint/2012/main"/>
+    </p:ext>
+  </p:extLst>
 </p:presentation>
 </file>
 
@@ -256,7 +267,7 @@
           <a:p>
             <a:fld id="{07B5B4BA-6038-44E4-BFC3-F8652017E19B}" type="datetimeFigureOut">
               <a:rPr lang="en-US" smtClean="0"/>
-              <a:t>10/15/2024</a:t>
+              <a:t>10/16/2024</a:t>
             </a:fld>
             <a:endParaRPr lang="en-US"/>
           </a:p>
@@ -456,7 +467,7 @@
           <a:p>
             <a:fld id="{07B5B4BA-6038-44E4-BFC3-F8652017E19B}" type="datetimeFigureOut">
               <a:rPr lang="en-US" smtClean="0"/>
-              <a:t>10/15/2024</a:t>
+              <a:t>10/16/2024</a:t>
             </a:fld>
             <a:endParaRPr lang="en-US"/>
           </a:p>
@@ -666,7 +677,7 @@
           <a:p>
             <a:fld id="{07B5B4BA-6038-44E4-BFC3-F8652017E19B}" type="datetimeFigureOut">
               <a:rPr lang="en-US" smtClean="0"/>
-              <a:t>10/15/2024</a:t>
+              <a:t>10/16/2024</a:t>
             </a:fld>
             <a:endParaRPr lang="en-US"/>
           </a:p>
@@ -866,7 +877,7 @@
           <a:p>
             <a:fld id="{07B5B4BA-6038-44E4-BFC3-F8652017E19B}" type="datetimeFigureOut">
               <a:rPr lang="en-US" smtClean="0"/>
-              <a:t>10/15/2024</a:t>
+              <a:t>10/16/2024</a:t>
             </a:fld>
             <a:endParaRPr lang="en-US"/>
           </a:p>
@@ -1142,7 +1153,7 @@
           <a:p>
             <a:fld id="{07B5B4BA-6038-44E4-BFC3-F8652017E19B}" type="datetimeFigureOut">
               <a:rPr lang="en-US" smtClean="0"/>
-              <a:t>10/15/2024</a:t>
+              <a:t>10/16/2024</a:t>
             </a:fld>
             <a:endParaRPr lang="en-US"/>
           </a:p>
@@ -1410,7 +1421,7 @@
           <a:p>
             <a:fld id="{07B5B4BA-6038-44E4-BFC3-F8652017E19B}" type="datetimeFigureOut">
               <a:rPr lang="en-US" smtClean="0"/>
-              <a:t>10/15/2024</a:t>
+              <a:t>10/16/2024</a:t>
             </a:fld>
             <a:endParaRPr lang="en-US"/>
           </a:p>
@@ -1825,7 +1836,7 @@
           <a:p>
             <a:fld id="{07B5B4BA-6038-44E4-BFC3-F8652017E19B}" type="datetimeFigureOut">
               <a:rPr lang="en-US" smtClean="0"/>
-              <a:t>10/15/2024</a:t>
+              <a:t>10/16/2024</a:t>
             </a:fld>
             <a:endParaRPr lang="en-US"/>
           </a:p>
@@ -1967,7 +1978,7 @@
           <a:p>
             <a:fld id="{07B5B4BA-6038-44E4-BFC3-F8652017E19B}" type="datetimeFigureOut">
               <a:rPr lang="en-US" smtClean="0"/>
-              <a:t>10/15/2024</a:t>
+              <a:t>10/16/2024</a:t>
             </a:fld>
             <a:endParaRPr lang="en-US"/>
           </a:p>
@@ -2080,7 +2091,7 @@
           <a:p>
             <a:fld id="{07B5B4BA-6038-44E4-BFC3-F8652017E19B}" type="datetimeFigureOut">
               <a:rPr lang="en-US" smtClean="0"/>
-              <a:t>10/15/2024</a:t>
+              <a:t>10/16/2024</a:t>
             </a:fld>
             <a:endParaRPr lang="en-US"/>
           </a:p>
@@ -2393,7 +2404,7 @@
           <a:p>
             <a:fld id="{07B5B4BA-6038-44E4-BFC3-F8652017E19B}" type="datetimeFigureOut">
               <a:rPr lang="en-US" smtClean="0"/>
-              <a:t>10/15/2024</a:t>
+              <a:t>10/16/2024</a:t>
             </a:fld>
             <a:endParaRPr lang="en-US"/>
           </a:p>
@@ -2682,7 +2693,7 @@
           <a:p>
             <a:fld id="{07B5B4BA-6038-44E4-BFC3-F8652017E19B}" type="datetimeFigureOut">
               <a:rPr lang="en-US" smtClean="0"/>
-              <a:t>10/15/2024</a:t>
+              <a:t>10/16/2024</a:t>
             </a:fld>
             <a:endParaRPr lang="en-US"/>
           </a:p>
@@ -2925,7 +2936,7 @@
           <a:p>
             <a:fld id="{07B5B4BA-6038-44E4-BFC3-F8652017E19B}" type="datetimeFigureOut">
               <a:rPr lang="en-US" smtClean="0"/>
-              <a:t>10/15/2024</a:t>
+              <a:t>10/16/2024</a:t>
             </a:fld>
             <a:endParaRPr lang="en-US"/>
           </a:p>
@@ -5352,6 +5363,1110 @@
     <p:extLst>
       <p:ext uri="{BB962C8B-B14F-4D97-AF65-F5344CB8AC3E}">
         <p14:creationId xmlns:p14="http://schemas.microsoft.com/office/powerpoint/2010/main" val="1785645732"/>
+      </p:ext>
+    </p:extLst>
+  </p:cSld>
+  <p:clrMapOvr>
+    <a:masterClrMapping/>
+  </p:clrMapOvr>
+</p:sld>
+</file>
+
+<file path=ppt/slides/slide2.xml><?xml version="1.0" encoding="utf-8"?>
+<p:sld xmlns:a="http://schemas.openxmlformats.org/drawingml/2006/main" xmlns:r="http://schemas.openxmlformats.org/officeDocument/2006/relationships" xmlns:p="http://schemas.openxmlformats.org/presentationml/2006/main">
+  <p:cSld>
+    <p:spTree>
+      <p:nvGrpSpPr>
+        <p:cNvPr id="1" name=""/>
+        <p:cNvGrpSpPr/>
+        <p:nvPr/>
+      </p:nvGrpSpPr>
+      <p:grpSpPr>
+        <a:xfrm>
+          <a:off x="0" y="0"/>
+          <a:ext cx="0" cy="0"/>
+          <a:chOff x="0" y="0"/>
+          <a:chExt cx="0" cy="0"/>
+        </a:xfrm>
+      </p:grpSpPr>
+      <p:sp>
+        <p:nvSpPr>
+          <p:cNvPr id="2" name="Título 1">
+            <a:extLst>
+              <a:ext uri="{FF2B5EF4-FFF2-40B4-BE49-F238E27FC236}">
+                <a16:creationId xmlns:a16="http://schemas.microsoft.com/office/drawing/2014/main" id="{86100AF5-26C6-E4CA-1B2A-15E93609694C}"/>
+              </a:ext>
+            </a:extLst>
+          </p:cNvPr>
+          <p:cNvSpPr>
+            <a:spLocks noGrp="1"/>
+          </p:cNvSpPr>
+          <p:nvPr>
+            <p:ph type="title"/>
+          </p:nvPr>
+        </p:nvSpPr>
+        <p:spPr>
+          <a:xfrm>
+            <a:off x="-104481" y="-389020"/>
+            <a:ext cx="10515600" cy="1325563"/>
+          </a:xfrm>
+        </p:spPr>
+        <p:txBody>
+          <a:bodyPr/>
+          <a:lstStyle/>
+          <a:p>
+            <a:r>
+              <a:rPr lang="en-US" dirty="0" err="1"/>
+              <a:t>Minifantasy_Crypt_Of_The_Forgotten_Assets</a:t>
+            </a:r>
+            <a:endParaRPr lang="en-US" dirty="0"/>
+          </a:p>
+        </p:txBody>
+      </p:sp>
+      <p:pic>
+        <p:nvPicPr>
+          <p:cNvPr id="4" name="Imagem 3" descr="Tela de computador com texto preto sobre fundo escuro&#10;&#10;Descrição gerada automaticamente">
+            <a:extLst>
+              <a:ext uri="{FF2B5EF4-FFF2-40B4-BE49-F238E27FC236}">
+                <a16:creationId xmlns:a16="http://schemas.microsoft.com/office/drawing/2014/main" id="{DBC19D8B-288C-5E8E-3D0C-65014FF1857B}"/>
+              </a:ext>
+            </a:extLst>
+          </p:cNvPr>
+          <p:cNvPicPr>
+            <a:picLocks noChangeAspect="1"/>
+          </p:cNvPicPr>
+          <p:nvPr/>
+        </p:nvPicPr>
+        <p:blipFill>
+          <a:blip r:embed="rId2">
+            <a:extLst>
+              <a:ext uri="{28A0092B-C50C-407E-A947-70E740481C1C}">
+                <a14:useLocalDpi xmlns:a14="http://schemas.microsoft.com/office/drawing/2010/main" val="0"/>
+              </a:ext>
+            </a:extLst>
+          </a:blip>
+          <a:stretch>
+            <a:fillRect/>
+          </a:stretch>
+        </p:blipFill>
+        <p:spPr>
+          <a:xfrm>
+            <a:off x="4495800" y="5257800"/>
+            <a:ext cx="7696200" cy="1600200"/>
+          </a:xfrm>
+          <a:prstGeom prst="rect">
+            <a:avLst/>
+          </a:prstGeom>
+        </p:spPr>
+      </p:pic>
+      <p:pic>
+        <p:nvPicPr>
+          <p:cNvPr id="6" name="Imagem 5" descr="Uma imagem contendo Calendário&#10;&#10;Descrição gerada automaticamente">
+            <a:extLst>
+              <a:ext uri="{FF2B5EF4-FFF2-40B4-BE49-F238E27FC236}">
+                <a16:creationId xmlns:a16="http://schemas.microsoft.com/office/drawing/2014/main" id="{3312CB2E-E37F-A151-2DB5-8C0A428500A9}"/>
+              </a:ext>
+            </a:extLst>
+          </p:cNvPr>
+          <p:cNvPicPr>
+            <a:picLocks noChangeAspect="1"/>
+          </p:cNvPicPr>
+          <p:nvPr/>
+        </p:nvPicPr>
+        <p:blipFill>
+          <a:blip r:embed="rId3">
+            <a:extLst>
+              <a:ext uri="{28A0092B-C50C-407E-A947-70E740481C1C}">
+                <a14:useLocalDpi xmlns:a14="http://schemas.microsoft.com/office/drawing/2010/main" val="0"/>
+              </a:ext>
+            </a:extLst>
+          </a:blip>
+          <a:stretch>
+            <a:fillRect/>
+          </a:stretch>
+        </p:blipFill>
+        <p:spPr>
+          <a:xfrm>
+            <a:off x="223953" y="577874"/>
+            <a:ext cx="5953822" cy="5702252"/>
+          </a:xfrm>
+          <a:prstGeom prst="rect">
+            <a:avLst/>
+          </a:prstGeom>
+        </p:spPr>
+      </p:pic>
+    </p:spTree>
+    <p:extLst>
+      <p:ext uri="{BB962C8B-B14F-4D97-AF65-F5344CB8AC3E}">
+        <p14:creationId xmlns:p14="http://schemas.microsoft.com/office/powerpoint/2010/main" val="1042147493"/>
+      </p:ext>
+    </p:extLst>
+  </p:cSld>
+  <p:clrMapOvr>
+    <a:masterClrMapping/>
+  </p:clrMapOvr>
+</p:sld>
+</file>
+
+<file path=ppt/slides/slide3.xml><?xml version="1.0" encoding="utf-8"?>
+<p:sld xmlns:a="http://schemas.openxmlformats.org/drawingml/2006/main" xmlns:r="http://schemas.openxmlformats.org/officeDocument/2006/relationships" xmlns:p="http://schemas.openxmlformats.org/presentationml/2006/main">
+  <p:cSld>
+    <p:spTree>
+      <p:nvGrpSpPr>
+        <p:cNvPr id="1" name=""/>
+        <p:cNvGrpSpPr/>
+        <p:nvPr/>
+      </p:nvGrpSpPr>
+      <p:grpSpPr>
+        <a:xfrm>
+          <a:off x="0" y="0"/>
+          <a:ext cx="0" cy="0"/>
+          <a:chOff x="0" y="0"/>
+          <a:chExt cx="0" cy="0"/>
+        </a:xfrm>
+      </p:grpSpPr>
+      <p:sp>
+        <p:nvSpPr>
+          <p:cNvPr id="2" name="Título 1">
+            <a:extLst>
+              <a:ext uri="{FF2B5EF4-FFF2-40B4-BE49-F238E27FC236}">
+                <a16:creationId xmlns:a16="http://schemas.microsoft.com/office/drawing/2014/main" id="{86100AF5-26C6-E4CA-1B2A-15E93609694C}"/>
+              </a:ext>
+            </a:extLst>
+          </p:cNvPr>
+          <p:cNvSpPr>
+            <a:spLocks noGrp="1"/>
+          </p:cNvSpPr>
+          <p:nvPr>
+            <p:ph type="title"/>
+          </p:nvPr>
+        </p:nvSpPr>
+        <p:spPr>
+          <a:xfrm>
+            <a:off x="-104481" y="-389020"/>
+            <a:ext cx="10515600" cy="1325563"/>
+          </a:xfrm>
+        </p:spPr>
+        <p:txBody>
+          <a:bodyPr/>
+          <a:lstStyle/>
+          <a:p>
+            <a:r>
+              <a:rPr lang="en-US" dirty="0" err="1"/>
+              <a:t>Minifantasy_DesolateDesert_Assets</a:t>
+            </a:r>
+            <a:endParaRPr lang="en-US" dirty="0"/>
+          </a:p>
+        </p:txBody>
+      </p:sp>
+      <p:pic>
+        <p:nvPicPr>
+          <p:cNvPr id="5" name="Imagem 4" descr="Interface gráfica do usuário&#10;&#10;Descrição gerada automaticamente com confiança média">
+            <a:extLst>
+              <a:ext uri="{FF2B5EF4-FFF2-40B4-BE49-F238E27FC236}">
+                <a16:creationId xmlns:a16="http://schemas.microsoft.com/office/drawing/2014/main" id="{A327F5F3-8666-183D-4B47-AE22445E4E02}"/>
+              </a:ext>
+            </a:extLst>
+          </p:cNvPr>
+          <p:cNvPicPr>
+            <a:picLocks noChangeAspect="1"/>
+          </p:cNvPicPr>
+          <p:nvPr/>
+        </p:nvPicPr>
+        <p:blipFill>
+          <a:blip r:embed="rId2">
+            <a:extLst>
+              <a:ext uri="{28A0092B-C50C-407E-A947-70E740481C1C}">
+                <a14:useLocalDpi xmlns:a14="http://schemas.microsoft.com/office/drawing/2010/main" val="0"/>
+              </a:ext>
+            </a:extLst>
+          </a:blip>
+          <a:stretch>
+            <a:fillRect/>
+          </a:stretch>
+        </p:blipFill>
+        <p:spPr>
+          <a:xfrm>
+            <a:off x="146114" y="598994"/>
+            <a:ext cx="5368566" cy="5560301"/>
+          </a:xfrm>
+          <a:prstGeom prst="rect">
+            <a:avLst/>
+          </a:prstGeom>
+        </p:spPr>
+      </p:pic>
+      <p:pic>
+        <p:nvPicPr>
+          <p:cNvPr id="8" name="Imagem 7" descr="Tela preta com letras brancas&#10;&#10;Descrição gerada automaticamente">
+            <a:extLst>
+              <a:ext uri="{FF2B5EF4-FFF2-40B4-BE49-F238E27FC236}">
+                <a16:creationId xmlns:a16="http://schemas.microsoft.com/office/drawing/2014/main" id="{FE9EEA71-B7E3-A38D-75AD-F143A4C1E5DD}"/>
+              </a:ext>
+            </a:extLst>
+          </p:cNvPr>
+          <p:cNvPicPr>
+            <a:picLocks noChangeAspect="1"/>
+          </p:cNvPicPr>
+          <p:nvPr/>
+        </p:nvPicPr>
+        <p:blipFill>
+          <a:blip r:embed="rId3">
+            <a:extLst>
+              <a:ext uri="{28A0092B-C50C-407E-A947-70E740481C1C}">
+                <a14:useLocalDpi xmlns:a14="http://schemas.microsoft.com/office/drawing/2010/main" val="0"/>
+              </a:ext>
+            </a:extLst>
+          </a:blip>
+          <a:stretch>
+            <a:fillRect/>
+          </a:stretch>
+        </p:blipFill>
+        <p:spPr>
+          <a:xfrm>
+            <a:off x="8467432" y="4297363"/>
+            <a:ext cx="3578454" cy="2260076"/>
+          </a:xfrm>
+          <a:prstGeom prst="rect">
+            <a:avLst/>
+          </a:prstGeom>
+        </p:spPr>
+      </p:pic>
+      <p:pic>
+        <p:nvPicPr>
+          <p:cNvPr id="10" name="Imagem 9">
+            <a:extLst>
+              <a:ext uri="{FF2B5EF4-FFF2-40B4-BE49-F238E27FC236}">
+                <a16:creationId xmlns:a16="http://schemas.microsoft.com/office/drawing/2014/main" id="{5DA0EB4B-47D5-9A6C-08DE-DDE2FD5CF3BA}"/>
+              </a:ext>
+            </a:extLst>
+          </p:cNvPr>
+          <p:cNvPicPr>
+            <a:picLocks noChangeAspect="1"/>
+          </p:cNvPicPr>
+          <p:nvPr/>
+        </p:nvPicPr>
+        <p:blipFill>
+          <a:blip r:embed="rId4">
+            <a:extLst>
+              <a:ext uri="{28A0092B-C50C-407E-A947-70E740481C1C}">
+                <a14:useLocalDpi xmlns:a14="http://schemas.microsoft.com/office/drawing/2010/main" val="0"/>
+              </a:ext>
+            </a:extLst>
+          </a:blip>
+          <a:stretch>
+            <a:fillRect/>
+          </a:stretch>
+        </p:blipFill>
+        <p:spPr>
+          <a:xfrm>
+            <a:off x="6243687" y="3230644"/>
+            <a:ext cx="5602664" cy="700333"/>
+          </a:xfrm>
+          <a:prstGeom prst="rect">
+            <a:avLst/>
+          </a:prstGeom>
+        </p:spPr>
+      </p:pic>
+    </p:spTree>
+    <p:extLst>
+      <p:ext uri="{BB962C8B-B14F-4D97-AF65-F5344CB8AC3E}">
+        <p14:creationId xmlns:p14="http://schemas.microsoft.com/office/powerpoint/2010/main" val="3187429731"/>
+      </p:ext>
+    </p:extLst>
+  </p:cSld>
+  <p:clrMapOvr>
+    <a:masterClrMapping/>
+  </p:clrMapOvr>
+</p:sld>
+</file>
+
+<file path=ppt/slides/slide4.xml><?xml version="1.0" encoding="utf-8"?>
+<p:sld xmlns:a="http://schemas.openxmlformats.org/drawingml/2006/main" xmlns:r="http://schemas.openxmlformats.org/officeDocument/2006/relationships" xmlns:p="http://schemas.openxmlformats.org/presentationml/2006/main">
+  <p:cSld>
+    <p:spTree>
+      <p:nvGrpSpPr>
+        <p:cNvPr id="1" name=""/>
+        <p:cNvGrpSpPr/>
+        <p:nvPr/>
+      </p:nvGrpSpPr>
+      <p:grpSpPr>
+        <a:xfrm>
+          <a:off x="0" y="0"/>
+          <a:ext cx="0" cy="0"/>
+          <a:chOff x="0" y="0"/>
+          <a:chExt cx="0" cy="0"/>
+        </a:xfrm>
+      </p:grpSpPr>
+      <p:sp>
+        <p:nvSpPr>
+          <p:cNvPr id="2" name="Título 1">
+            <a:extLst>
+              <a:ext uri="{FF2B5EF4-FFF2-40B4-BE49-F238E27FC236}">
+                <a16:creationId xmlns:a16="http://schemas.microsoft.com/office/drawing/2014/main" id="{86100AF5-26C6-E4CA-1B2A-15E93609694C}"/>
+              </a:ext>
+            </a:extLst>
+          </p:cNvPr>
+          <p:cNvSpPr>
+            <a:spLocks noGrp="1"/>
+          </p:cNvSpPr>
+          <p:nvPr>
+            <p:ph type="title"/>
+          </p:nvPr>
+        </p:nvSpPr>
+        <p:spPr>
+          <a:xfrm>
+            <a:off x="-104481" y="-389020"/>
+            <a:ext cx="10515600" cy="1325563"/>
+          </a:xfrm>
+        </p:spPr>
+        <p:txBody>
+          <a:bodyPr/>
+          <a:lstStyle/>
+          <a:p>
+            <a:r>
+              <a:rPr lang="en-US" dirty="0" err="1"/>
+              <a:t>Minifantasy_Dungeon_Assets</a:t>
+            </a:r>
+            <a:endParaRPr lang="en-US" dirty="0"/>
+          </a:p>
+        </p:txBody>
+      </p:sp>
+      <p:pic>
+        <p:nvPicPr>
+          <p:cNvPr id="4" name="Imagem 3" descr="Tela de computador com texto preto sobre fundo branco&#10;&#10;Descrição gerada automaticamente">
+            <a:extLst>
+              <a:ext uri="{FF2B5EF4-FFF2-40B4-BE49-F238E27FC236}">
+                <a16:creationId xmlns:a16="http://schemas.microsoft.com/office/drawing/2014/main" id="{D3DD9DE6-0C86-A910-D266-3EEAB7828B1D}"/>
+              </a:ext>
+            </a:extLst>
+          </p:cNvPr>
+          <p:cNvPicPr>
+            <a:picLocks noChangeAspect="1"/>
+          </p:cNvPicPr>
+          <p:nvPr/>
+        </p:nvPicPr>
+        <p:blipFill>
+          <a:blip r:embed="rId2">
+            <a:extLst>
+              <a:ext uri="{28A0092B-C50C-407E-A947-70E740481C1C}">
+                <a14:useLocalDpi xmlns:a14="http://schemas.microsoft.com/office/drawing/2010/main" val="0"/>
+              </a:ext>
+            </a:extLst>
+          </a:blip>
+          <a:stretch>
+            <a:fillRect/>
+          </a:stretch>
+        </p:blipFill>
+        <p:spPr>
+          <a:xfrm>
+            <a:off x="0" y="403142"/>
+            <a:ext cx="7081024" cy="4310189"/>
+          </a:xfrm>
+          <a:prstGeom prst="rect">
+            <a:avLst/>
+          </a:prstGeom>
+        </p:spPr>
+      </p:pic>
+      <p:pic>
+        <p:nvPicPr>
+          <p:cNvPr id="6" name="Imagem 5" descr="Interface gráfica do usuário&#10;&#10;Descrição gerada automaticamente">
+            <a:extLst>
+              <a:ext uri="{FF2B5EF4-FFF2-40B4-BE49-F238E27FC236}">
+                <a16:creationId xmlns:a16="http://schemas.microsoft.com/office/drawing/2014/main" id="{F4EF34DB-4AE7-6B17-1A38-AE70041793B1}"/>
+              </a:ext>
+            </a:extLst>
+          </p:cNvPr>
+          <p:cNvPicPr>
+            <a:picLocks noChangeAspect="1"/>
+          </p:cNvPicPr>
+          <p:nvPr/>
+        </p:nvPicPr>
+        <p:blipFill>
+          <a:blip r:embed="rId3">
+            <a:extLst>
+              <a:ext uri="{28A0092B-C50C-407E-A947-70E740481C1C}">
+                <a14:useLocalDpi xmlns:a14="http://schemas.microsoft.com/office/drawing/2010/main" val="0"/>
+              </a:ext>
+            </a:extLst>
+          </a:blip>
+          <a:stretch>
+            <a:fillRect/>
+          </a:stretch>
+        </p:blipFill>
+        <p:spPr>
+          <a:xfrm>
+            <a:off x="5398457" y="4217062"/>
+            <a:ext cx="6793543" cy="2576861"/>
+          </a:xfrm>
+          <a:prstGeom prst="rect">
+            <a:avLst/>
+          </a:prstGeom>
+        </p:spPr>
+      </p:pic>
+      <p:pic>
+        <p:nvPicPr>
+          <p:cNvPr id="8" name="Imagem 7">
+            <a:extLst>
+              <a:ext uri="{FF2B5EF4-FFF2-40B4-BE49-F238E27FC236}">
+                <a16:creationId xmlns:a16="http://schemas.microsoft.com/office/drawing/2014/main" id="{722162E9-BFB8-D69F-C0CB-ADBC7FCD0BB2}"/>
+              </a:ext>
+            </a:extLst>
+          </p:cNvPr>
+          <p:cNvPicPr>
+            <a:picLocks noChangeAspect="1"/>
+          </p:cNvPicPr>
+          <p:nvPr/>
+        </p:nvPicPr>
+        <p:blipFill>
+          <a:blip r:embed="rId4">
+            <a:extLst>
+              <a:ext uri="{28A0092B-C50C-407E-A947-70E740481C1C}">
+                <a14:useLocalDpi xmlns:a14="http://schemas.microsoft.com/office/drawing/2010/main" val="0"/>
+              </a:ext>
+            </a:extLst>
+          </a:blip>
+          <a:stretch>
+            <a:fillRect/>
+          </a:stretch>
+        </p:blipFill>
+        <p:spPr>
+          <a:xfrm>
+            <a:off x="8601307" y="3352800"/>
+            <a:ext cx="3457048" cy="864262"/>
+          </a:xfrm>
+          <a:prstGeom prst="rect">
+            <a:avLst/>
+          </a:prstGeom>
+        </p:spPr>
+      </p:pic>
+      <p:pic>
+        <p:nvPicPr>
+          <p:cNvPr id="12" name="Imagem 11">
+            <a:extLst>
+              <a:ext uri="{FF2B5EF4-FFF2-40B4-BE49-F238E27FC236}">
+                <a16:creationId xmlns:a16="http://schemas.microsoft.com/office/drawing/2014/main" id="{B959A7E6-92A5-D314-B856-AED04769406B}"/>
+              </a:ext>
+            </a:extLst>
+          </p:cNvPr>
+          <p:cNvPicPr>
+            <a:picLocks noChangeAspect="1"/>
+          </p:cNvPicPr>
+          <p:nvPr/>
+        </p:nvPicPr>
+        <p:blipFill>
+          <a:blip r:embed="rId5">
+            <a:extLst>
+              <a:ext uri="{28A0092B-C50C-407E-A947-70E740481C1C}">
+                <a14:useLocalDpi xmlns:a14="http://schemas.microsoft.com/office/drawing/2010/main" val="0"/>
+              </a:ext>
+            </a:extLst>
+          </a:blip>
+          <a:stretch>
+            <a:fillRect/>
+          </a:stretch>
+        </p:blipFill>
+        <p:spPr>
+          <a:xfrm>
+            <a:off x="7582603" y="3180885"/>
+            <a:ext cx="4609397" cy="864262"/>
+          </a:xfrm>
+          <a:prstGeom prst="rect">
+            <a:avLst/>
+          </a:prstGeom>
+        </p:spPr>
+      </p:pic>
+    </p:spTree>
+    <p:extLst>
+      <p:ext uri="{BB962C8B-B14F-4D97-AF65-F5344CB8AC3E}">
+        <p14:creationId xmlns:p14="http://schemas.microsoft.com/office/powerpoint/2010/main" val="2518557280"/>
+      </p:ext>
+    </p:extLst>
+  </p:cSld>
+  <p:clrMapOvr>
+    <a:masterClrMapping/>
+  </p:clrMapOvr>
+</p:sld>
+</file>
+
+<file path=ppt/slides/slide5.xml><?xml version="1.0" encoding="utf-8"?>
+<p:sld xmlns:a="http://schemas.openxmlformats.org/drawingml/2006/main" xmlns:r="http://schemas.openxmlformats.org/officeDocument/2006/relationships" xmlns:p="http://schemas.openxmlformats.org/presentationml/2006/main">
+  <p:cSld>
+    <p:spTree>
+      <p:nvGrpSpPr>
+        <p:cNvPr id="1" name=""/>
+        <p:cNvGrpSpPr/>
+        <p:nvPr/>
+      </p:nvGrpSpPr>
+      <p:grpSpPr>
+        <a:xfrm>
+          <a:off x="0" y="0"/>
+          <a:ext cx="0" cy="0"/>
+          <a:chOff x="0" y="0"/>
+          <a:chExt cx="0" cy="0"/>
+        </a:xfrm>
+      </p:grpSpPr>
+      <p:sp>
+        <p:nvSpPr>
+          <p:cNvPr id="2" name="Título 1">
+            <a:extLst>
+              <a:ext uri="{FF2B5EF4-FFF2-40B4-BE49-F238E27FC236}">
+                <a16:creationId xmlns:a16="http://schemas.microsoft.com/office/drawing/2014/main" id="{86100AF5-26C6-E4CA-1B2A-15E93609694C}"/>
+              </a:ext>
+            </a:extLst>
+          </p:cNvPr>
+          <p:cNvSpPr>
+            <a:spLocks noGrp="1"/>
+          </p:cNvSpPr>
+          <p:nvPr>
+            <p:ph type="title"/>
+          </p:nvPr>
+        </p:nvSpPr>
+        <p:spPr>
+          <a:xfrm>
+            <a:off x="-104481" y="-389020"/>
+            <a:ext cx="10515600" cy="1325563"/>
+          </a:xfrm>
+        </p:spPr>
+        <p:txBody>
+          <a:bodyPr/>
+          <a:lstStyle/>
+          <a:p>
+            <a:r>
+              <a:rPr lang="en-US" dirty="0" err="1"/>
+              <a:t>Minifantasy_ForgottenPlains_Assets</a:t>
+            </a:r>
+            <a:endParaRPr lang="en-US" dirty="0"/>
+          </a:p>
+        </p:txBody>
+      </p:sp>
+      <p:pic>
+        <p:nvPicPr>
+          <p:cNvPr id="4" name="Imagem 3" descr="Tela de jogo de vídeo game&#10;&#10;Descrição gerada automaticamente com confiança média">
+            <a:extLst>
+              <a:ext uri="{FF2B5EF4-FFF2-40B4-BE49-F238E27FC236}">
+                <a16:creationId xmlns:a16="http://schemas.microsoft.com/office/drawing/2014/main" id="{40C4D4A6-2383-4D9B-B0B2-2BA0D9850789}"/>
+              </a:ext>
+            </a:extLst>
+          </p:cNvPr>
+          <p:cNvPicPr>
+            <a:picLocks noChangeAspect="1"/>
+          </p:cNvPicPr>
+          <p:nvPr/>
+        </p:nvPicPr>
+        <p:blipFill>
+          <a:blip r:embed="rId2">
+            <a:extLst>
+              <a:ext uri="{28A0092B-C50C-407E-A947-70E740481C1C}">
+                <a14:useLocalDpi xmlns:a14="http://schemas.microsoft.com/office/drawing/2010/main" val="0"/>
+              </a:ext>
+            </a:extLst>
+          </a:blip>
+          <a:stretch>
+            <a:fillRect/>
+          </a:stretch>
+        </p:blipFill>
+        <p:spPr>
+          <a:xfrm>
+            <a:off x="0" y="592040"/>
+            <a:ext cx="8518296" cy="2839432"/>
+          </a:xfrm>
+          <a:prstGeom prst="rect">
+            <a:avLst/>
+          </a:prstGeom>
+        </p:spPr>
+      </p:pic>
+      <p:pic>
+        <p:nvPicPr>
+          <p:cNvPr id="6" name="Imagem 5" descr="Tela de computador com texto preto sobre fundo branco&#10;&#10;Descrição gerada automaticamente">
+            <a:extLst>
+              <a:ext uri="{FF2B5EF4-FFF2-40B4-BE49-F238E27FC236}">
+                <a16:creationId xmlns:a16="http://schemas.microsoft.com/office/drawing/2014/main" id="{331B8A46-5133-F584-CBB7-F561C22280A9}"/>
+              </a:ext>
+            </a:extLst>
+          </p:cNvPr>
+          <p:cNvPicPr>
+            <a:picLocks noChangeAspect="1"/>
+          </p:cNvPicPr>
+          <p:nvPr/>
+        </p:nvPicPr>
+        <p:blipFill>
+          <a:blip r:embed="rId3">
+            <a:extLst>
+              <a:ext uri="{28A0092B-C50C-407E-A947-70E740481C1C}">
+                <a14:useLocalDpi xmlns:a14="http://schemas.microsoft.com/office/drawing/2010/main" val="0"/>
+              </a:ext>
+            </a:extLst>
+          </a:blip>
+          <a:stretch>
+            <a:fillRect/>
+          </a:stretch>
+        </p:blipFill>
+        <p:spPr>
+          <a:xfrm>
+            <a:off x="0" y="3416745"/>
+            <a:ext cx="1800520" cy="3240936"/>
+          </a:xfrm>
+          <a:prstGeom prst="rect">
+            <a:avLst/>
+          </a:prstGeom>
+        </p:spPr>
+      </p:pic>
+      <p:pic>
+        <p:nvPicPr>
+          <p:cNvPr id="8" name="Imagem 7" descr="Uma imagem contendo relógio, laranja, verde, armário&#10;&#10;Descrição gerada automaticamente">
+            <a:extLst>
+              <a:ext uri="{FF2B5EF4-FFF2-40B4-BE49-F238E27FC236}">
+                <a16:creationId xmlns:a16="http://schemas.microsoft.com/office/drawing/2014/main" id="{3C5A0C68-6C7A-2213-4BB0-E8A85FC0E81A}"/>
+              </a:ext>
+            </a:extLst>
+          </p:cNvPr>
+          <p:cNvPicPr>
+            <a:picLocks noChangeAspect="1"/>
+          </p:cNvPicPr>
+          <p:nvPr/>
+        </p:nvPicPr>
+        <p:blipFill>
+          <a:blip r:embed="rId4">
+            <a:extLst>
+              <a:ext uri="{28A0092B-C50C-407E-A947-70E740481C1C}">
+                <a14:useLocalDpi xmlns:a14="http://schemas.microsoft.com/office/drawing/2010/main" val="0"/>
+              </a:ext>
+            </a:extLst>
+          </a:blip>
+          <a:stretch>
+            <a:fillRect/>
+          </a:stretch>
+        </p:blipFill>
+        <p:spPr>
+          <a:xfrm>
+            <a:off x="1800520" y="5286081"/>
+            <a:ext cx="2514600" cy="1371600"/>
+          </a:xfrm>
+          <a:prstGeom prst="rect">
+            <a:avLst/>
+          </a:prstGeom>
+        </p:spPr>
+      </p:pic>
+      <p:pic>
+        <p:nvPicPr>
+          <p:cNvPr id="10" name="Imagem 9" descr="Uma imagem contendo Forma&#10;&#10;Descrição gerada automaticamente">
+            <a:extLst>
+              <a:ext uri="{FF2B5EF4-FFF2-40B4-BE49-F238E27FC236}">
+                <a16:creationId xmlns:a16="http://schemas.microsoft.com/office/drawing/2014/main" id="{AB8A2468-7AC9-4989-02DA-256F028DA135}"/>
+              </a:ext>
+            </a:extLst>
+          </p:cNvPr>
+          <p:cNvPicPr>
+            <a:picLocks noChangeAspect="1"/>
+          </p:cNvPicPr>
+          <p:nvPr/>
+        </p:nvPicPr>
+        <p:blipFill>
+          <a:blip r:embed="rId5">
+            <a:extLst>
+              <a:ext uri="{28A0092B-C50C-407E-A947-70E740481C1C}">
+                <a14:useLocalDpi xmlns:a14="http://schemas.microsoft.com/office/drawing/2010/main" val="0"/>
+              </a:ext>
+            </a:extLst>
+          </a:blip>
+          <a:stretch>
+            <a:fillRect/>
+          </a:stretch>
+        </p:blipFill>
+        <p:spPr>
+          <a:xfrm>
+            <a:off x="1916391" y="3726732"/>
+            <a:ext cx="2514600" cy="1371600"/>
+          </a:xfrm>
+          <a:prstGeom prst="rect">
+            <a:avLst/>
+          </a:prstGeom>
+        </p:spPr>
+      </p:pic>
+      <p:pic>
+        <p:nvPicPr>
+          <p:cNvPr id="12" name="Imagem 11" descr="Interface gráfica do usuário&#10;&#10;Descrição gerada automaticamente">
+            <a:extLst>
+              <a:ext uri="{FF2B5EF4-FFF2-40B4-BE49-F238E27FC236}">
+                <a16:creationId xmlns:a16="http://schemas.microsoft.com/office/drawing/2014/main" id="{65DBFC28-AA3B-96C3-952E-2BAAF30323D6}"/>
+              </a:ext>
+            </a:extLst>
+          </p:cNvPr>
+          <p:cNvPicPr>
+            <a:picLocks noChangeAspect="1"/>
+          </p:cNvPicPr>
+          <p:nvPr/>
+        </p:nvPicPr>
+        <p:blipFill>
+          <a:blip r:embed="rId6">
+            <a:extLst>
+              <a:ext uri="{28A0092B-C50C-407E-A947-70E740481C1C}">
+                <a14:useLocalDpi xmlns:a14="http://schemas.microsoft.com/office/drawing/2010/main" val="0"/>
+              </a:ext>
+            </a:extLst>
+          </a:blip>
+          <a:stretch>
+            <a:fillRect/>
+          </a:stretch>
+        </p:blipFill>
+        <p:spPr>
+          <a:xfrm>
+            <a:off x="7209149" y="4412532"/>
+            <a:ext cx="4510730" cy="2050332"/>
+          </a:xfrm>
+          <a:prstGeom prst="rect">
+            <a:avLst/>
+          </a:prstGeom>
+        </p:spPr>
+      </p:pic>
+    </p:spTree>
+    <p:extLst>
+      <p:ext uri="{BB962C8B-B14F-4D97-AF65-F5344CB8AC3E}">
+        <p14:creationId xmlns:p14="http://schemas.microsoft.com/office/powerpoint/2010/main" val="3598943418"/>
+      </p:ext>
+    </p:extLst>
+  </p:cSld>
+  <p:clrMapOvr>
+    <a:masterClrMapping/>
+  </p:clrMapOvr>
+</p:sld>
+</file>
+
+<file path=ppt/slides/slide6.xml><?xml version="1.0" encoding="utf-8"?>
+<p:sld xmlns:a="http://schemas.openxmlformats.org/drawingml/2006/main" xmlns:r="http://schemas.openxmlformats.org/officeDocument/2006/relationships" xmlns:p="http://schemas.openxmlformats.org/presentationml/2006/main">
+  <p:cSld>
+    <p:spTree>
+      <p:nvGrpSpPr>
+        <p:cNvPr id="1" name=""/>
+        <p:cNvGrpSpPr/>
+        <p:nvPr/>
+      </p:nvGrpSpPr>
+      <p:grpSpPr>
+        <a:xfrm>
+          <a:off x="0" y="0"/>
+          <a:ext cx="0" cy="0"/>
+          <a:chOff x="0" y="0"/>
+          <a:chExt cx="0" cy="0"/>
+        </a:xfrm>
+      </p:grpSpPr>
+      <p:sp>
+        <p:nvSpPr>
+          <p:cNvPr id="2" name="Título 1">
+            <a:extLst>
+              <a:ext uri="{FF2B5EF4-FFF2-40B4-BE49-F238E27FC236}">
+                <a16:creationId xmlns:a16="http://schemas.microsoft.com/office/drawing/2014/main" id="{86100AF5-26C6-E4CA-1B2A-15E93609694C}"/>
+              </a:ext>
+            </a:extLst>
+          </p:cNvPr>
+          <p:cNvSpPr>
+            <a:spLocks noGrp="1"/>
+          </p:cNvSpPr>
+          <p:nvPr>
+            <p:ph type="title"/>
+          </p:nvPr>
+        </p:nvSpPr>
+        <p:spPr>
+          <a:xfrm>
+            <a:off x="-104481" y="-389020"/>
+            <a:ext cx="10515600" cy="1325563"/>
+          </a:xfrm>
+        </p:spPr>
+        <p:txBody>
+          <a:bodyPr/>
+          <a:lstStyle/>
+          <a:p>
+            <a:r>
+              <a:rPr lang="en-US" dirty="0" err="1"/>
+              <a:t>UpscaleFantasy_Dungeon_Assets</a:t>
+            </a:r>
+            <a:endParaRPr lang="en-US" dirty="0"/>
+          </a:p>
+        </p:txBody>
+      </p:sp>
+      <p:pic>
+        <p:nvPicPr>
+          <p:cNvPr id="4" name="Imagem 3" descr="Tela de vídeo game&#10;&#10;Descrição gerada automaticamente">
+            <a:extLst>
+              <a:ext uri="{FF2B5EF4-FFF2-40B4-BE49-F238E27FC236}">
+                <a16:creationId xmlns:a16="http://schemas.microsoft.com/office/drawing/2014/main" id="{D76E1252-C5CF-4CAE-5A99-BA597A3E0C98}"/>
+              </a:ext>
+            </a:extLst>
+          </p:cNvPr>
+          <p:cNvPicPr>
+            <a:picLocks noChangeAspect="1"/>
+          </p:cNvPicPr>
+          <p:nvPr/>
+        </p:nvPicPr>
+        <p:blipFill>
+          <a:blip r:embed="rId2">
+            <a:extLst>
+              <a:ext uri="{28A0092B-C50C-407E-A947-70E740481C1C}">
+                <a14:useLocalDpi xmlns:a14="http://schemas.microsoft.com/office/drawing/2010/main" val="0"/>
+              </a:ext>
+            </a:extLst>
+          </a:blip>
+          <a:stretch>
+            <a:fillRect/>
+          </a:stretch>
+        </p:blipFill>
+        <p:spPr>
+          <a:xfrm>
+            <a:off x="-104481" y="192464"/>
+            <a:ext cx="7010400" cy="4267200"/>
+          </a:xfrm>
+          <a:prstGeom prst="rect">
+            <a:avLst/>
+          </a:prstGeom>
+        </p:spPr>
+      </p:pic>
+      <p:pic>
+        <p:nvPicPr>
+          <p:cNvPr id="6" name="Imagem 5" descr="Tela preta com letras brancas&#10;&#10;Descrição gerada automaticamente com confiança média">
+            <a:extLst>
+              <a:ext uri="{FF2B5EF4-FFF2-40B4-BE49-F238E27FC236}">
+                <a16:creationId xmlns:a16="http://schemas.microsoft.com/office/drawing/2014/main" id="{2CCF44FA-51DE-907A-FDA2-043C1C82A8B2}"/>
+              </a:ext>
+            </a:extLst>
+          </p:cNvPr>
+          <p:cNvPicPr>
+            <a:picLocks noChangeAspect="1"/>
+          </p:cNvPicPr>
+          <p:nvPr/>
+        </p:nvPicPr>
+        <p:blipFill>
+          <a:blip r:embed="rId3">
+            <a:extLst>
+              <a:ext uri="{28A0092B-C50C-407E-A947-70E740481C1C}">
+                <a14:useLocalDpi xmlns:a14="http://schemas.microsoft.com/office/drawing/2010/main" val="0"/>
+              </a:ext>
+            </a:extLst>
+          </a:blip>
+          <a:stretch>
+            <a:fillRect/>
+          </a:stretch>
+        </p:blipFill>
+        <p:spPr>
+          <a:xfrm>
+            <a:off x="5484829" y="4031882"/>
+            <a:ext cx="6707171" cy="2544099"/>
+          </a:xfrm>
+          <a:prstGeom prst="rect">
+            <a:avLst/>
+          </a:prstGeom>
+        </p:spPr>
+      </p:pic>
+    </p:spTree>
+    <p:extLst>
+      <p:ext uri="{BB962C8B-B14F-4D97-AF65-F5344CB8AC3E}">
+        <p14:creationId xmlns:p14="http://schemas.microsoft.com/office/powerpoint/2010/main" val="1601410005"/>
+      </p:ext>
+    </p:extLst>
+  </p:cSld>
+  <p:clrMapOvr>
+    <a:masterClrMapping/>
+  </p:clrMapOvr>
+</p:sld>
+</file>
+
+<file path=ppt/slides/slide7.xml><?xml version="1.0" encoding="utf-8"?>
+<p:sld xmlns:a="http://schemas.openxmlformats.org/drawingml/2006/main" xmlns:r="http://schemas.openxmlformats.org/officeDocument/2006/relationships" xmlns:p="http://schemas.openxmlformats.org/presentationml/2006/main">
+  <p:cSld>
+    <p:spTree>
+      <p:nvGrpSpPr>
+        <p:cNvPr id="1" name=""/>
+        <p:cNvGrpSpPr/>
+        <p:nvPr/>
+      </p:nvGrpSpPr>
+      <p:grpSpPr>
+        <a:xfrm>
+          <a:off x="0" y="0"/>
+          <a:ext cx="0" cy="0"/>
+          <a:chOff x="0" y="0"/>
+          <a:chExt cx="0" cy="0"/>
+        </a:xfrm>
+      </p:grpSpPr>
+      <p:sp>
+        <p:nvSpPr>
+          <p:cNvPr id="2" name="Título 1">
+            <a:extLst>
+              <a:ext uri="{FF2B5EF4-FFF2-40B4-BE49-F238E27FC236}">
+                <a16:creationId xmlns:a16="http://schemas.microsoft.com/office/drawing/2014/main" id="{86100AF5-26C6-E4CA-1B2A-15E93609694C}"/>
+              </a:ext>
+            </a:extLst>
+          </p:cNvPr>
+          <p:cNvSpPr>
+            <a:spLocks noGrp="1"/>
+          </p:cNvSpPr>
+          <p:nvPr>
+            <p:ph type="title"/>
+          </p:nvPr>
+        </p:nvSpPr>
+        <p:spPr>
+          <a:xfrm>
+            <a:off x="-104481" y="-389020"/>
+            <a:ext cx="10515600" cy="1325563"/>
+          </a:xfrm>
+        </p:spPr>
+        <p:txBody>
+          <a:bodyPr/>
+          <a:lstStyle/>
+          <a:p>
+            <a:r>
+              <a:rPr lang="en-US" dirty="0" err="1"/>
+              <a:t>brackeys_platformer_assets</a:t>
+            </a:r>
+            <a:endParaRPr lang="en-US" dirty="0"/>
+          </a:p>
+        </p:txBody>
+      </p:sp>
+      <p:pic>
+        <p:nvPicPr>
+          <p:cNvPr id="5" name="Imagem 4" descr="Gráfico&#10;&#10;Descrição gerada automaticamente">
+            <a:extLst>
+              <a:ext uri="{FF2B5EF4-FFF2-40B4-BE49-F238E27FC236}">
+                <a16:creationId xmlns:a16="http://schemas.microsoft.com/office/drawing/2014/main" id="{BAAFA362-2818-428A-981A-A2170E53BD1A}"/>
+              </a:ext>
+            </a:extLst>
+          </p:cNvPr>
+          <p:cNvPicPr>
+            <a:picLocks noChangeAspect="1"/>
+          </p:cNvPicPr>
+          <p:nvPr/>
+        </p:nvPicPr>
+        <p:blipFill>
+          <a:blip r:embed="rId2">
+            <a:extLst>
+              <a:ext uri="{28A0092B-C50C-407E-A947-70E740481C1C}">
+                <a14:useLocalDpi xmlns:a14="http://schemas.microsoft.com/office/drawing/2010/main" val="0"/>
+              </a:ext>
+            </a:extLst>
+          </a:blip>
+          <a:stretch>
+            <a:fillRect/>
+          </a:stretch>
+        </p:blipFill>
+        <p:spPr>
+          <a:xfrm>
+            <a:off x="0" y="662960"/>
+            <a:ext cx="5854045" cy="5854045"/>
+          </a:xfrm>
+          <a:prstGeom prst="rect">
+            <a:avLst/>
+          </a:prstGeom>
+        </p:spPr>
+      </p:pic>
+      <p:pic>
+        <p:nvPicPr>
+          <p:cNvPr id="8" name="Imagem 7" descr="Tela de computador com texto preto sobre fundo branco&#10;&#10;Descrição gerada automaticamente com confiança baixa">
+            <a:extLst>
+              <a:ext uri="{FF2B5EF4-FFF2-40B4-BE49-F238E27FC236}">
+                <a16:creationId xmlns:a16="http://schemas.microsoft.com/office/drawing/2014/main" id="{6DF0D3A2-8194-0095-D10B-197B6F99C8FD}"/>
+              </a:ext>
+            </a:extLst>
+          </p:cNvPr>
+          <p:cNvPicPr>
+            <a:picLocks noChangeAspect="1"/>
+          </p:cNvPicPr>
+          <p:nvPr/>
+        </p:nvPicPr>
+        <p:blipFill>
+          <a:blip r:embed="rId3">
+            <a:extLst>
+              <a:ext uri="{28A0092B-C50C-407E-A947-70E740481C1C}">
+                <a14:useLocalDpi xmlns:a14="http://schemas.microsoft.com/office/drawing/2010/main" val="0"/>
+              </a:ext>
+            </a:extLst>
+          </a:blip>
+          <a:stretch>
+            <a:fillRect/>
+          </a:stretch>
+        </p:blipFill>
+        <p:spPr>
+          <a:xfrm>
+            <a:off x="4534761" y="662960"/>
+            <a:ext cx="2398547" cy="2398547"/>
+          </a:xfrm>
+          <a:prstGeom prst="rect">
+            <a:avLst/>
+          </a:prstGeom>
+        </p:spPr>
+      </p:pic>
+      <p:pic>
+        <p:nvPicPr>
+          <p:cNvPr id="10" name="Imagem 9" descr="Uma imagem contendo luz, tráfego, relógio, estrela&#10;&#10;Descrição gerada automaticamente">
+            <a:extLst>
+              <a:ext uri="{FF2B5EF4-FFF2-40B4-BE49-F238E27FC236}">
+                <a16:creationId xmlns:a16="http://schemas.microsoft.com/office/drawing/2014/main" id="{BE4949E4-5EC5-276D-B13D-A9068AC6E175}"/>
+              </a:ext>
+            </a:extLst>
+          </p:cNvPr>
+          <p:cNvPicPr>
+            <a:picLocks noChangeAspect="1"/>
+          </p:cNvPicPr>
+          <p:nvPr/>
+        </p:nvPicPr>
+        <p:blipFill>
+          <a:blip r:embed="rId4">
+            <a:extLst>
+              <a:ext uri="{28A0092B-C50C-407E-A947-70E740481C1C}">
+                <a14:useLocalDpi xmlns:a14="http://schemas.microsoft.com/office/drawing/2010/main" val="0"/>
+              </a:ext>
+            </a:extLst>
+          </a:blip>
+          <a:stretch>
+            <a:fillRect/>
+          </a:stretch>
+        </p:blipFill>
+        <p:spPr>
+          <a:xfrm>
+            <a:off x="4345258" y="5068268"/>
+            <a:ext cx="1616122" cy="1616122"/>
+          </a:xfrm>
+          <a:prstGeom prst="rect">
+            <a:avLst/>
+          </a:prstGeom>
+        </p:spPr>
+      </p:pic>
+      <p:pic>
+        <p:nvPicPr>
+          <p:cNvPr id="12" name="Imagem 11">
+            <a:extLst>
+              <a:ext uri="{FF2B5EF4-FFF2-40B4-BE49-F238E27FC236}">
+                <a16:creationId xmlns:a16="http://schemas.microsoft.com/office/drawing/2014/main" id="{4A01C9F0-962A-0308-9FA0-437311E9D55C}"/>
+              </a:ext>
+            </a:extLst>
+          </p:cNvPr>
+          <p:cNvPicPr>
+            <a:picLocks noChangeAspect="1"/>
+          </p:cNvPicPr>
+          <p:nvPr/>
+        </p:nvPicPr>
+        <p:blipFill>
+          <a:blip r:embed="rId5">
+            <a:extLst>
+              <a:ext uri="{28A0092B-C50C-407E-A947-70E740481C1C}">
+                <a14:useLocalDpi xmlns:a14="http://schemas.microsoft.com/office/drawing/2010/main" val="0"/>
+              </a:ext>
+            </a:extLst>
+          </a:blip>
+          <a:stretch>
+            <a:fillRect/>
+          </a:stretch>
+        </p:blipFill>
+        <p:spPr>
+          <a:xfrm>
+            <a:off x="5958526" y="6481215"/>
+            <a:ext cx="2438095" cy="203175"/>
+          </a:xfrm>
+          <a:prstGeom prst="rect">
+            <a:avLst/>
+          </a:prstGeom>
+        </p:spPr>
+      </p:pic>
+    </p:spTree>
+    <p:extLst>
+      <p:ext uri="{BB962C8B-B14F-4D97-AF65-F5344CB8AC3E}">
+        <p14:creationId xmlns:p14="http://schemas.microsoft.com/office/powerpoint/2010/main" val="1981720098"/>
       </p:ext>
     </p:extLst>
   </p:cSld>
